--- a/130202079_81_140202042.pptx
+++ b/130202079_81_140202042.pptx
@@ -5,7 +5,7 @@
     <p:sldMasterId id="2147483660" r:id="rId1"/>
   </p:sldMasterIdLst>
   <p:notesMasterIdLst>
-    <p:notesMasterId r:id="rId11"/>
+    <p:notesMasterId r:id="rId17"/>
   </p:notesMasterIdLst>
   <p:sldIdLst>
     <p:sldId id="256" r:id="rId2"/>
@@ -16,7 +16,13 @@
     <p:sldId id="261" r:id="rId7"/>
     <p:sldId id="262" r:id="rId8"/>
     <p:sldId id="263" r:id="rId9"/>
-    <p:sldId id="264" r:id="rId10"/>
+    <p:sldId id="265" r:id="rId10"/>
+    <p:sldId id="266" r:id="rId11"/>
+    <p:sldId id="267" r:id="rId12"/>
+    <p:sldId id="268" r:id="rId13"/>
+    <p:sldId id="269" r:id="rId14"/>
+    <p:sldId id="270" r:id="rId15"/>
+    <p:sldId id="264" r:id="rId16"/>
   </p:sldIdLst>
   <p:sldSz cx="12192000" cy="6858000"/>
   <p:notesSz cx="6858000" cy="9144000"/>
@@ -115,6 +121,11 @@
       </a:defRPr>
     </a:lvl9pPr>
   </p:defaultTextStyle>
+  <p:extLst>
+    <p:ext uri="{EFAFB233-063F-42B5-8137-9DF3F51BA10A}">
+      <p15:sldGuideLst xmlns:p15="http://schemas.microsoft.com/office/powerpoint/2012/main"/>
+    </p:ext>
+  </p:extLst>
 </p:presentation>
 </file>
 
@@ -6545,6 +6556,685 @@
 </p:sld>
 </file>
 
+<file path=ppt/slides/slide10.xml><?xml version="1.0" encoding="utf-8"?>
+<p:sld xmlns:a="http://schemas.openxmlformats.org/drawingml/2006/main" xmlns:r="http://schemas.openxmlformats.org/officeDocument/2006/relationships" xmlns:p="http://schemas.openxmlformats.org/presentationml/2006/main">
+  <p:cSld>
+    <p:spTree>
+      <p:nvGrpSpPr>
+        <p:cNvPr id="1" name=""/>
+        <p:cNvGrpSpPr/>
+        <p:nvPr/>
+      </p:nvGrpSpPr>
+      <p:grpSpPr>
+        <a:xfrm>
+          <a:off x="0" y="0"/>
+          <a:ext cx="0" cy="0"/>
+          <a:chOff x="0" y="0"/>
+          <a:chExt cx="0" cy="0"/>
+        </a:xfrm>
+      </p:grpSpPr>
+      <p:sp>
+        <p:nvSpPr>
+          <p:cNvPr id="2" name="Unvan 1"/>
+          <p:cNvSpPr>
+            <a:spLocks noGrp="1"/>
+          </p:cNvSpPr>
+          <p:nvPr>
+            <p:ph type="title"/>
+          </p:nvPr>
+        </p:nvSpPr>
+        <p:spPr/>
+        <p:txBody>
+          <a:bodyPr/>
+          <a:lstStyle/>
+          <a:p>
+            <a:r>
+              <a:rPr lang="tr-TR" dirty="0" smtClean="0"/>
+              <a:t>BAYESIAN IMAGE RESTORATION</a:t>
+            </a:r>
+            <a:br>
+              <a:rPr lang="tr-TR" dirty="0" smtClean="0"/>
+            </a:br>
+            <a:r>
+              <a:rPr lang="tr-TR" dirty="0" smtClean="0"/>
+              <a:t>EXAMPLE</a:t>
+            </a:r>
+            <a:endParaRPr lang="tr-TR" dirty="0"/>
+          </a:p>
+        </p:txBody>
+      </p:sp>
+      <p:sp>
+        <p:nvSpPr>
+          <p:cNvPr id="4" name="Slayt Numarası Yer Tutucusu 3"/>
+          <p:cNvSpPr>
+            <a:spLocks noGrp="1"/>
+          </p:cNvSpPr>
+          <p:nvPr>
+            <p:ph type="sldNum" sz="quarter" idx="12"/>
+          </p:nvPr>
+        </p:nvSpPr>
+        <p:spPr/>
+        <p:txBody>
+          <a:bodyPr/>
+          <a:lstStyle/>
+          <a:p>
+            <a:fld id="{D9E48246-BD3F-495B-92A1-4F346ED36267}" type="slidenum">
+              <a:rPr lang="tr-TR" smtClean="0"/>
+              <a:t>10</a:t>
+            </a:fld>
+            <a:endParaRPr lang="tr-TR"/>
+          </a:p>
+        </p:txBody>
+      </p:sp>
+      <p:pic>
+        <p:nvPicPr>
+          <p:cNvPr id="6" name="Resim 5"/>
+          <p:cNvPicPr>
+            <a:picLocks noChangeAspect="1"/>
+          </p:cNvPicPr>
+          <p:nvPr/>
+        </p:nvPicPr>
+        <p:blipFill>
+          <a:blip r:embed="rId2"/>
+          <a:stretch>
+            <a:fillRect/>
+          </a:stretch>
+        </p:blipFill>
+        <p:spPr>
+          <a:xfrm>
+            <a:off x="2922170" y="2245658"/>
+            <a:ext cx="5048250" cy="3810000"/>
+          </a:xfrm>
+          <a:prstGeom prst="rect">
+            <a:avLst/>
+          </a:prstGeom>
+        </p:spPr>
+      </p:pic>
+    </p:spTree>
+    <p:extLst>
+      <p:ext uri="{BB962C8B-B14F-4D97-AF65-F5344CB8AC3E}">
+        <p14:creationId xmlns:p14="http://schemas.microsoft.com/office/powerpoint/2010/main" val="1113941585"/>
+      </p:ext>
+    </p:extLst>
+  </p:cSld>
+  <p:clrMapOvr>
+    <a:masterClrMapping/>
+  </p:clrMapOvr>
+</p:sld>
+</file>
+
+<file path=ppt/slides/slide11.xml><?xml version="1.0" encoding="utf-8"?>
+<p:sld xmlns:a="http://schemas.openxmlformats.org/drawingml/2006/main" xmlns:r="http://schemas.openxmlformats.org/officeDocument/2006/relationships" xmlns:p="http://schemas.openxmlformats.org/presentationml/2006/main">
+  <p:cSld>
+    <p:spTree>
+      <p:nvGrpSpPr>
+        <p:cNvPr id="1" name=""/>
+        <p:cNvGrpSpPr/>
+        <p:nvPr/>
+      </p:nvGrpSpPr>
+      <p:grpSpPr>
+        <a:xfrm>
+          <a:off x="0" y="0"/>
+          <a:ext cx="0" cy="0"/>
+          <a:chOff x="0" y="0"/>
+          <a:chExt cx="0" cy="0"/>
+        </a:xfrm>
+      </p:grpSpPr>
+      <p:sp>
+        <p:nvSpPr>
+          <p:cNvPr id="2" name="Unvan 1"/>
+          <p:cNvSpPr>
+            <a:spLocks noGrp="1"/>
+          </p:cNvSpPr>
+          <p:nvPr>
+            <p:ph type="title"/>
+          </p:nvPr>
+        </p:nvSpPr>
+        <p:spPr/>
+        <p:txBody>
+          <a:bodyPr/>
+          <a:lstStyle/>
+          <a:p>
+            <a:r>
+              <a:rPr lang="tr-TR" dirty="0" smtClean="0"/>
+              <a:t>BAYESIAN IMAGE RESTORATION</a:t>
+            </a:r>
+            <a:br>
+              <a:rPr lang="tr-TR" dirty="0" smtClean="0"/>
+            </a:br>
+            <a:r>
+              <a:rPr lang="tr-TR" dirty="0" smtClean="0"/>
+              <a:t>EXAMPLE</a:t>
+            </a:r>
+            <a:endParaRPr lang="tr-TR" dirty="0"/>
+          </a:p>
+        </p:txBody>
+      </p:sp>
+      <p:sp>
+        <p:nvSpPr>
+          <p:cNvPr id="4" name="Slayt Numarası Yer Tutucusu 3"/>
+          <p:cNvSpPr>
+            <a:spLocks noGrp="1"/>
+          </p:cNvSpPr>
+          <p:nvPr>
+            <p:ph type="sldNum" sz="quarter" idx="12"/>
+          </p:nvPr>
+        </p:nvSpPr>
+        <p:spPr/>
+        <p:txBody>
+          <a:bodyPr/>
+          <a:lstStyle/>
+          <a:p>
+            <a:fld id="{D9E48246-BD3F-495B-92A1-4F346ED36267}" type="slidenum">
+              <a:rPr lang="tr-TR" smtClean="0"/>
+              <a:t>11</a:t>
+            </a:fld>
+            <a:endParaRPr lang="tr-TR"/>
+          </a:p>
+        </p:txBody>
+      </p:sp>
+      <p:pic>
+        <p:nvPicPr>
+          <p:cNvPr id="3" name="Resim 2"/>
+          <p:cNvPicPr>
+            <a:picLocks noChangeAspect="1"/>
+          </p:cNvPicPr>
+          <p:nvPr/>
+        </p:nvPicPr>
+        <p:blipFill>
+          <a:blip r:embed="rId2"/>
+          <a:stretch>
+            <a:fillRect/>
+          </a:stretch>
+        </p:blipFill>
+        <p:spPr>
+          <a:xfrm>
+            <a:off x="3201403" y="2373479"/>
+            <a:ext cx="5067300" cy="3362325"/>
+          </a:xfrm>
+          <a:prstGeom prst="rect">
+            <a:avLst/>
+          </a:prstGeom>
+        </p:spPr>
+      </p:pic>
+    </p:spTree>
+    <p:extLst>
+      <p:ext uri="{BB962C8B-B14F-4D97-AF65-F5344CB8AC3E}">
+        <p14:creationId xmlns:p14="http://schemas.microsoft.com/office/powerpoint/2010/main" val="110973046"/>
+      </p:ext>
+    </p:extLst>
+  </p:cSld>
+  <p:clrMapOvr>
+    <a:masterClrMapping/>
+  </p:clrMapOvr>
+</p:sld>
+</file>
+
+<file path=ppt/slides/slide12.xml><?xml version="1.0" encoding="utf-8"?>
+<p:sld xmlns:a="http://schemas.openxmlformats.org/drawingml/2006/main" xmlns:r="http://schemas.openxmlformats.org/officeDocument/2006/relationships" xmlns:p="http://schemas.openxmlformats.org/presentationml/2006/main">
+  <p:cSld>
+    <p:spTree>
+      <p:nvGrpSpPr>
+        <p:cNvPr id="1" name=""/>
+        <p:cNvGrpSpPr/>
+        <p:nvPr/>
+      </p:nvGrpSpPr>
+      <p:grpSpPr>
+        <a:xfrm>
+          <a:off x="0" y="0"/>
+          <a:ext cx="0" cy="0"/>
+          <a:chOff x="0" y="0"/>
+          <a:chExt cx="0" cy="0"/>
+        </a:xfrm>
+      </p:grpSpPr>
+      <p:sp>
+        <p:nvSpPr>
+          <p:cNvPr id="2" name="Unvan 1"/>
+          <p:cNvSpPr>
+            <a:spLocks noGrp="1"/>
+          </p:cNvSpPr>
+          <p:nvPr>
+            <p:ph type="title"/>
+          </p:nvPr>
+        </p:nvSpPr>
+        <p:spPr/>
+        <p:txBody>
+          <a:bodyPr/>
+          <a:lstStyle/>
+          <a:p>
+            <a:r>
+              <a:rPr lang="tr-TR" dirty="0" smtClean="0"/>
+              <a:t>BAYESIAN IMAGE RESTORATION</a:t>
+            </a:r>
+            <a:br>
+              <a:rPr lang="tr-TR" dirty="0" smtClean="0"/>
+            </a:br>
+            <a:r>
+              <a:rPr lang="tr-TR" dirty="0" smtClean="0"/>
+              <a:t>EXAMPLE</a:t>
+            </a:r>
+            <a:endParaRPr lang="tr-TR" dirty="0"/>
+          </a:p>
+        </p:txBody>
+      </p:sp>
+      <p:sp>
+        <p:nvSpPr>
+          <p:cNvPr id="4" name="Slayt Numarası Yer Tutucusu 3"/>
+          <p:cNvSpPr>
+            <a:spLocks noGrp="1"/>
+          </p:cNvSpPr>
+          <p:nvPr>
+            <p:ph type="sldNum" sz="quarter" idx="12"/>
+          </p:nvPr>
+        </p:nvSpPr>
+        <p:spPr/>
+        <p:txBody>
+          <a:bodyPr/>
+          <a:lstStyle/>
+          <a:p>
+            <a:fld id="{D9E48246-BD3F-495B-92A1-4F346ED36267}" type="slidenum">
+              <a:rPr lang="tr-TR" smtClean="0"/>
+              <a:t>12</a:t>
+            </a:fld>
+            <a:endParaRPr lang="tr-TR"/>
+          </a:p>
+        </p:txBody>
+      </p:sp>
+      <p:pic>
+        <p:nvPicPr>
+          <p:cNvPr id="5" name="Resim 4"/>
+          <p:cNvPicPr>
+            <a:picLocks noChangeAspect="1"/>
+          </p:cNvPicPr>
+          <p:nvPr/>
+        </p:nvPicPr>
+        <p:blipFill>
+          <a:blip r:embed="rId2"/>
+          <a:stretch>
+            <a:fillRect/>
+          </a:stretch>
+        </p:blipFill>
+        <p:spPr>
+          <a:xfrm>
+            <a:off x="3201152" y="2399799"/>
+            <a:ext cx="5019675" cy="3333750"/>
+          </a:xfrm>
+          <a:prstGeom prst="rect">
+            <a:avLst/>
+          </a:prstGeom>
+        </p:spPr>
+      </p:pic>
+    </p:spTree>
+    <p:extLst>
+      <p:ext uri="{BB962C8B-B14F-4D97-AF65-F5344CB8AC3E}">
+        <p14:creationId xmlns:p14="http://schemas.microsoft.com/office/powerpoint/2010/main" val="1070226455"/>
+      </p:ext>
+    </p:extLst>
+  </p:cSld>
+  <p:clrMapOvr>
+    <a:masterClrMapping/>
+  </p:clrMapOvr>
+</p:sld>
+</file>
+
+<file path=ppt/slides/slide13.xml><?xml version="1.0" encoding="utf-8"?>
+<p:sld xmlns:a="http://schemas.openxmlformats.org/drawingml/2006/main" xmlns:r="http://schemas.openxmlformats.org/officeDocument/2006/relationships" xmlns:p="http://schemas.openxmlformats.org/presentationml/2006/main">
+  <p:cSld>
+    <p:spTree>
+      <p:nvGrpSpPr>
+        <p:cNvPr id="1" name=""/>
+        <p:cNvGrpSpPr/>
+        <p:nvPr/>
+      </p:nvGrpSpPr>
+      <p:grpSpPr>
+        <a:xfrm>
+          <a:off x="0" y="0"/>
+          <a:ext cx="0" cy="0"/>
+          <a:chOff x="0" y="0"/>
+          <a:chExt cx="0" cy="0"/>
+        </a:xfrm>
+      </p:grpSpPr>
+      <p:sp>
+        <p:nvSpPr>
+          <p:cNvPr id="2" name="Unvan 1"/>
+          <p:cNvSpPr>
+            <a:spLocks noGrp="1"/>
+          </p:cNvSpPr>
+          <p:nvPr>
+            <p:ph type="title"/>
+          </p:nvPr>
+        </p:nvSpPr>
+        <p:spPr/>
+        <p:txBody>
+          <a:bodyPr/>
+          <a:lstStyle/>
+          <a:p>
+            <a:r>
+              <a:rPr lang="tr-TR" dirty="0" smtClean="0"/>
+              <a:t>BAYESIAN IMAGE RESTORATION</a:t>
+            </a:r>
+            <a:br>
+              <a:rPr lang="tr-TR" dirty="0" smtClean="0"/>
+            </a:br>
+            <a:r>
+              <a:rPr lang="tr-TR" dirty="0" smtClean="0"/>
+              <a:t>EXAMPLE</a:t>
+            </a:r>
+            <a:endParaRPr lang="tr-TR" dirty="0"/>
+          </a:p>
+        </p:txBody>
+      </p:sp>
+      <p:sp>
+        <p:nvSpPr>
+          <p:cNvPr id="4" name="Slayt Numarası Yer Tutucusu 3"/>
+          <p:cNvSpPr>
+            <a:spLocks noGrp="1"/>
+          </p:cNvSpPr>
+          <p:nvPr>
+            <p:ph type="sldNum" sz="quarter" idx="12"/>
+          </p:nvPr>
+        </p:nvSpPr>
+        <p:spPr/>
+        <p:txBody>
+          <a:bodyPr/>
+          <a:lstStyle/>
+          <a:p>
+            <a:fld id="{D9E48246-BD3F-495B-92A1-4F346ED36267}" type="slidenum">
+              <a:rPr lang="tr-TR" smtClean="0"/>
+              <a:t>13</a:t>
+            </a:fld>
+            <a:endParaRPr lang="tr-TR"/>
+          </a:p>
+        </p:txBody>
+      </p:sp>
+      <p:pic>
+        <p:nvPicPr>
+          <p:cNvPr id="5" name="Resim 4"/>
+          <p:cNvPicPr>
+            <a:picLocks noChangeAspect="1"/>
+          </p:cNvPicPr>
+          <p:nvPr/>
+        </p:nvPicPr>
+        <p:blipFill>
+          <a:blip r:embed="rId2"/>
+          <a:stretch>
+            <a:fillRect/>
+          </a:stretch>
+        </p:blipFill>
+        <p:spPr>
+          <a:xfrm>
+            <a:off x="3967347" y="2259681"/>
+            <a:ext cx="2762250" cy="3228975"/>
+          </a:xfrm>
+          <a:prstGeom prst="rect">
+            <a:avLst/>
+          </a:prstGeom>
+        </p:spPr>
+      </p:pic>
+    </p:spTree>
+    <p:extLst>
+      <p:ext uri="{BB962C8B-B14F-4D97-AF65-F5344CB8AC3E}">
+        <p14:creationId xmlns:p14="http://schemas.microsoft.com/office/powerpoint/2010/main" val="2092622450"/>
+      </p:ext>
+    </p:extLst>
+  </p:cSld>
+  <p:clrMapOvr>
+    <a:masterClrMapping/>
+  </p:clrMapOvr>
+</p:sld>
+</file>
+
+<file path=ppt/slides/slide14.xml><?xml version="1.0" encoding="utf-8"?>
+<p:sld xmlns:a="http://schemas.openxmlformats.org/drawingml/2006/main" xmlns:r="http://schemas.openxmlformats.org/officeDocument/2006/relationships" xmlns:p="http://schemas.openxmlformats.org/presentationml/2006/main">
+  <p:cSld>
+    <p:spTree>
+      <p:nvGrpSpPr>
+        <p:cNvPr id="1" name=""/>
+        <p:cNvGrpSpPr/>
+        <p:nvPr/>
+      </p:nvGrpSpPr>
+      <p:grpSpPr>
+        <a:xfrm>
+          <a:off x="0" y="0"/>
+          <a:ext cx="0" cy="0"/>
+          <a:chOff x="0" y="0"/>
+          <a:chExt cx="0" cy="0"/>
+        </a:xfrm>
+      </p:grpSpPr>
+      <p:sp>
+        <p:nvSpPr>
+          <p:cNvPr id="2" name="Unvan 1"/>
+          <p:cNvSpPr>
+            <a:spLocks noGrp="1"/>
+          </p:cNvSpPr>
+          <p:nvPr>
+            <p:ph type="title"/>
+          </p:nvPr>
+        </p:nvSpPr>
+        <p:spPr/>
+        <p:txBody>
+          <a:bodyPr/>
+          <a:lstStyle/>
+          <a:p>
+            <a:r>
+              <a:rPr lang="tr-TR" dirty="0" smtClean="0"/>
+              <a:t>BAYESIAN IMAGE RESTORATION</a:t>
+            </a:r>
+            <a:br>
+              <a:rPr lang="tr-TR" dirty="0" smtClean="0"/>
+            </a:br>
+            <a:r>
+              <a:rPr lang="tr-TR" dirty="0" smtClean="0"/>
+              <a:t>EXAMPLE</a:t>
+            </a:r>
+            <a:endParaRPr lang="tr-TR" dirty="0"/>
+          </a:p>
+        </p:txBody>
+      </p:sp>
+      <p:sp>
+        <p:nvSpPr>
+          <p:cNvPr id="4" name="Slayt Numarası Yer Tutucusu 3"/>
+          <p:cNvSpPr>
+            <a:spLocks noGrp="1"/>
+          </p:cNvSpPr>
+          <p:nvPr>
+            <p:ph type="sldNum" sz="quarter" idx="12"/>
+          </p:nvPr>
+        </p:nvSpPr>
+        <p:spPr/>
+        <p:txBody>
+          <a:bodyPr/>
+          <a:lstStyle/>
+          <a:p>
+            <a:fld id="{D9E48246-BD3F-495B-92A1-4F346ED36267}" type="slidenum">
+              <a:rPr lang="tr-TR" smtClean="0"/>
+              <a:t>14</a:t>
+            </a:fld>
+            <a:endParaRPr lang="tr-TR"/>
+          </a:p>
+        </p:txBody>
+      </p:sp>
+      <p:pic>
+        <p:nvPicPr>
+          <p:cNvPr id="5" name="Resim 4"/>
+          <p:cNvPicPr>
+            <a:picLocks noChangeAspect="1"/>
+          </p:cNvPicPr>
+          <p:nvPr/>
+        </p:nvPicPr>
+        <p:blipFill>
+          <a:blip r:embed="rId2"/>
+          <a:stretch>
+            <a:fillRect/>
+          </a:stretch>
+        </p:blipFill>
+        <p:spPr>
+          <a:xfrm>
+            <a:off x="3214938" y="2565735"/>
+            <a:ext cx="4895850" cy="2990850"/>
+          </a:xfrm>
+          <a:prstGeom prst="rect">
+            <a:avLst/>
+          </a:prstGeom>
+        </p:spPr>
+      </p:pic>
+    </p:spTree>
+    <p:extLst>
+      <p:ext uri="{BB962C8B-B14F-4D97-AF65-F5344CB8AC3E}">
+        <p14:creationId xmlns:p14="http://schemas.microsoft.com/office/powerpoint/2010/main" val="2951376815"/>
+      </p:ext>
+    </p:extLst>
+  </p:cSld>
+  <p:clrMapOvr>
+    <a:masterClrMapping/>
+  </p:clrMapOvr>
+</p:sld>
+</file>
+
+<file path=ppt/slides/slide15.xml><?xml version="1.0" encoding="utf-8"?>
+<p:sld xmlns:a="http://schemas.openxmlformats.org/drawingml/2006/main" xmlns:r="http://schemas.openxmlformats.org/officeDocument/2006/relationships" xmlns:p="http://schemas.openxmlformats.org/presentationml/2006/main">
+  <p:cSld>
+    <p:spTree>
+      <p:nvGrpSpPr>
+        <p:cNvPr id="1" name=""/>
+        <p:cNvGrpSpPr/>
+        <p:nvPr/>
+      </p:nvGrpSpPr>
+      <p:grpSpPr>
+        <a:xfrm>
+          <a:off x="0" y="0"/>
+          <a:ext cx="0" cy="0"/>
+          <a:chOff x="0" y="0"/>
+          <a:chExt cx="0" cy="0"/>
+        </a:xfrm>
+      </p:grpSpPr>
+      <p:sp>
+        <p:nvSpPr>
+          <p:cNvPr id="2" name="Unvan 1"/>
+          <p:cNvSpPr>
+            <a:spLocks noGrp="1"/>
+          </p:cNvSpPr>
+          <p:nvPr>
+            <p:ph type="title"/>
+          </p:nvPr>
+        </p:nvSpPr>
+        <p:spPr/>
+        <p:txBody>
+          <a:bodyPr/>
+          <a:lstStyle/>
+          <a:p>
+            <a:r>
+              <a:rPr lang="tr-TR" dirty="0" smtClean="0"/>
+              <a:t>REFERANSLAR</a:t>
+            </a:r>
+            <a:endParaRPr lang="tr-TR" dirty="0"/>
+          </a:p>
+        </p:txBody>
+      </p:sp>
+      <p:sp>
+        <p:nvSpPr>
+          <p:cNvPr id="3" name="İçerik Yer Tutucusu 2"/>
+          <p:cNvSpPr>
+            <a:spLocks noGrp="1"/>
+          </p:cNvSpPr>
+          <p:nvPr>
+            <p:ph idx="1"/>
+          </p:nvPr>
+        </p:nvSpPr>
+        <p:spPr/>
+        <p:txBody>
+          <a:bodyPr/>
+          <a:lstStyle/>
+          <a:p>
+            <a:r>
+              <a:rPr lang="tr-TR" dirty="0">
+                <a:hlinkClick r:id="rId2"/>
+              </a:rPr>
+              <a:t>http://</a:t>
+            </a:r>
+            <a:r>
+              <a:rPr lang="tr-TR" dirty="0" smtClean="0">
+                <a:hlinkClick r:id="rId2"/>
+              </a:rPr>
+              <a:t>sia.webpopix.org/imageRestoration.html</a:t>
+            </a:r>
+            <a:endParaRPr lang="tr-TR" dirty="0" smtClean="0"/>
+          </a:p>
+          <a:p>
+            <a:r>
+              <a:rPr lang="tr-TR" dirty="0">
+                <a:hlinkClick r:id="rId3"/>
+              </a:rPr>
+              <a:t>https://</a:t>
+            </a:r>
+            <a:r>
+              <a:rPr lang="tr-TR" dirty="0" smtClean="0">
+                <a:hlinkClick r:id="rId3"/>
+              </a:rPr>
+              <a:t>www.slideshare.net/ozgur_dolgun/bayes-aglari</a:t>
+            </a:r>
+            <a:endParaRPr lang="tr-TR" dirty="0" smtClean="0"/>
+          </a:p>
+          <a:p>
+            <a:r>
+              <a:rPr lang="tr-TR" dirty="0">
+                <a:hlinkClick r:id="rId4"/>
+              </a:rPr>
+              <a:t>https://</a:t>
+            </a:r>
+            <a:r>
+              <a:rPr lang="tr-TR" dirty="0" smtClean="0">
+                <a:hlinkClick r:id="rId4"/>
+              </a:rPr>
+              <a:t>www.youtube.com/watch?v=nYvdzJ9BrjY</a:t>
+            </a:r>
+            <a:endParaRPr lang="tr-TR" dirty="0" smtClean="0"/>
+          </a:p>
+          <a:p>
+            <a:r>
+              <a:rPr lang="tr-TR"/>
+              <a:t>http://bilgisayarkavramlari.sadievrenseker.com/2008/12/21/bayes-aglari-bayesian-network/</a:t>
+            </a:r>
+            <a:endParaRPr lang="tr-TR" dirty="0"/>
+          </a:p>
+        </p:txBody>
+      </p:sp>
+      <p:sp>
+        <p:nvSpPr>
+          <p:cNvPr id="4" name="Slayt Numarası Yer Tutucusu 3"/>
+          <p:cNvSpPr>
+            <a:spLocks noGrp="1"/>
+          </p:cNvSpPr>
+          <p:nvPr>
+            <p:ph type="sldNum" sz="quarter" idx="12"/>
+          </p:nvPr>
+        </p:nvSpPr>
+        <p:spPr/>
+        <p:txBody>
+          <a:bodyPr/>
+          <a:lstStyle/>
+          <a:p>
+            <a:fld id="{D9E48246-BD3F-495B-92A1-4F346ED36267}" type="slidenum">
+              <a:rPr lang="tr-TR" smtClean="0"/>
+              <a:t>15</a:t>
+            </a:fld>
+            <a:endParaRPr lang="tr-TR"/>
+          </a:p>
+        </p:txBody>
+      </p:sp>
+    </p:spTree>
+    <p:extLst>
+      <p:ext uri="{BB962C8B-B14F-4D97-AF65-F5344CB8AC3E}">
+        <p14:creationId xmlns:p14="http://schemas.microsoft.com/office/powerpoint/2010/main" val="2808852021"/>
+      </p:ext>
+    </p:extLst>
+  </p:cSld>
+  <p:clrMapOvr>
+    <a:masterClrMapping/>
+  </p:clrMapOvr>
+</p:sld>
+</file>
+
 <file path=ppt/slides/slide2.xml><?xml version="1.0" encoding="utf-8"?>
 <p:sld xmlns:a="http://schemas.openxmlformats.org/drawingml/2006/main" xmlns:r="http://schemas.openxmlformats.org/officeDocument/2006/relationships" xmlns:p="http://schemas.openxmlformats.org/presentationml/2006/main">
   <p:cSld>
@@ -6921,7 +7611,6 @@
               <a:rPr lang="tr-TR" dirty="0"/>
               <a:t>).</a:t>
             </a:r>
-            <a:endParaRPr lang="tr-TR" dirty="0"/>
           </a:p>
         </p:txBody>
       </p:sp>
@@ -7515,80 +8204,45 @@
           <a:p>
             <a:r>
               <a:rPr lang="tr-TR" dirty="0" smtClean="0"/>
-              <a:t>REFERANSLAR</a:t>
+              <a:t>BAYESIAN IMAGE RESTORATION</a:t>
+            </a:r>
+            <a:br>
+              <a:rPr lang="tr-TR" dirty="0" smtClean="0"/>
+            </a:br>
+            <a:r>
+              <a:rPr lang="tr-TR" dirty="0" smtClean="0"/>
+              <a:t>EXAMPLE</a:t>
             </a:r>
             <a:endParaRPr lang="tr-TR" dirty="0"/>
           </a:p>
         </p:txBody>
       </p:sp>
-      <p:sp>
-        <p:nvSpPr>
-          <p:cNvPr id="3" name="İçerik Yer Tutucusu 2"/>
-          <p:cNvSpPr>
-            <a:spLocks noGrp="1"/>
-          </p:cNvSpPr>
+      <p:pic>
+        <p:nvPicPr>
+          <p:cNvPr id="5" name="İçerik Yer Tutucusu 4"/>
+          <p:cNvPicPr>
+            <a:picLocks noGrp="1" noChangeAspect="1"/>
+          </p:cNvPicPr>
           <p:nvPr>
             <p:ph idx="1"/>
           </p:nvPr>
-        </p:nvSpPr>
-        <p:spPr/>
-        <p:txBody>
-          <a:bodyPr/>
-          <a:lstStyle/>
-          <a:p>
-            <a:r>
-              <a:rPr lang="tr-TR" dirty="0">
-                <a:hlinkClick r:id="rId2"/>
-              </a:rPr>
-              <a:t>http://</a:t>
-            </a:r>
-            <a:r>
-              <a:rPr lang="tr-TR" dirty="0" smtClean="0">
-                <a:hlinkClick r:id="rId2"/>
-              </a:rPr>
-              <a:t>sia.webpopix.org/imageRestoration.html</a:t>
-            </a:r>
-            <a:endParaRPr lang="tr-TR" dirty="0" smtClean="0"/>
-          </a:p>
-          <a:p>
-            <a:r>
-              <a:rPr lang="tr-TR" dirty="0">
-                <a:hlinkClick r:id="rId3"/>
-              </a:rPr>
-              <a:t>https://</a:t>
-            </a:r>
-            <a:r>
-              <a:rPr lang="tr-TR" dirty="0" smtClean="0">
-                <a:hlinkClick r:id="rId3"/>
-              </a:rPr>
-              <a:t>www.slideshare.net/ozgur_dolgun/bayes-aglari</a:t>
-            </a:r>
-            <a:endParaRPr lang="tr-TR" dirty="0" smtClean="0"/>
-          </a:p>
-          <a:p>
-            <a:r>
-              <a:rPr lang="tr-TR" dirty="0">
-                <a:hlinkClick r:id="rId4"/>
-              </a:rPr>
-              <a:t>https://</a:t>
-            </a:r>
-            <a:r>
-              <a:rPr lang="tr-TR" dirty="0" smtClean="0">
-                <a:hlinkClick r:id="rId4"/>
-              </a:rPr>
-              <a:t>www.youtube.com/watch?v=nYvdzJ9BrjY</a:t>
-            </a:r>
-            <a:endParaRPr lang="tr-TR" dirty="0" smtClean="0"/>
-          </a:p>
-          <a:p>
-            <a:r>
-              <a:rPr lang="tr-TR"/>
-              <a:t>http://bilgisayarkavramlari.sadievrenseker.com/2008/12/21/bayes-aglari-bayesian-network/</a:t>
-            </a:r>
-            <a:endParaRPr lang="tr-TR" dirty="0"/>
-          </a:p>
-        </p:txBody>
-      </p:sp>
+        </p:nvPicPr>
+        <p:blipFill>
+          <a:blip r:embed="rId2"/>
+          <a:stretch>
+            <a:fillRect/>
+          </a:stretch>
+        </p:blipFill>
+        <p:spPr>
+          <a:xfrm>
+            <a:off x="2932447" y="2238249"/>
+            <a:ext cx="5048250" cy="3800475"/>
+          </a:xfrm>
+          <a:prstGeom prst="rect">
+            <a:avLst/>
+          </a:prstGeom>
+        </p:spPr>
+      </p:pic>
       <p:sp>
         <p:nvSpPr>
           <p:cNvPr id="4" name="Slayt Numarası Yer Tutucusu 3"/>
@@ -7615,7 +8269,7 @@
     </p:spTree>
     <p:extLst>
       <p:ext uri="{BB962C8B-B14F-4D97-AF65-F5344CB8AC3E}">
-        <p14:creationId xmlns:p14="http://schemas.microsoft.com/office/powerpoint/2010/main" val="2808852021"/>
+        <p14:creationId xmlns:p14="http://schemas.microsoft.com/office/powerpoint/2010/main" val="1627782117"/>
       </p:ext>
     </p:extLst>
   </p:cSld>
